--- a/documentation/17 Upload.pptx
+++ b/documentation/17 Upload.pptx
@@ -230,7 +230,7 @@
           <a:p>
             <a:fld id="{CE53DE84-D7B3-4797-B14D-77424657396D}" type="datetimeFigureOut">
               <a:rPr lang="en-GB" smtClean="0"/>
-              <a:t>12/03/2018</a:t>
+              <a:t>19/02/2019</a:t>
             </a:fld>
             <a:endParaRPr lang="en-GB" dirty="0"/>
           </a:p>
@@ -395,7 +395,7 @@
           <a:p>
             <a:fld id="{D1C597EC-6BB0-461C-B045-D257C6C8821E}" type="datetimeFigureOut">
               <a:rPr lang="en-GB" smtClean="0"/>
-              <a:t>12/03/2018</a:t>
+              <a:t>19/02/2019</a:t>
             </a:fld>
             <a:endParaRPr lang="en-GB" dirty="0"/>
           </a:p>
@@ -2341,7 +2341,7 @@
           <a:p>
             <a:fld id="{22E7AA2F-F619-4723-B6E7-545F24B9918D}" type="datetime4">
               <a:rPr lang="en-GB" smtClean="0"/>
-              <a:t>12 March 2018</a:t>
+              <a:t>19 February 2019</a:t>
             </a:fld>
             <a:endParaRPr lang="en-GB" dirty="0"/>
           </a:p>
@@ -2545,7 +2545,7 @@
           <a:p>
             <a:fld id="{2A4201E0-34F3-46A7-AE44-D99163B13904}" type="datetime4">
               <a:rPr lang="en-GB" smtClean="0"/>
-              <a:t>12 March 2018</a:t>
+              <a:t>19 February 2019</a:t>
             </a:fld>
             <a:endParaRPr lang="en-GB" dirty="0"/>
           </a:p>
@@ -2793,7 +2793,7 @@
           <a:p>
             <a:fld id="{4FAE0867-24A8-448F-B507-CC8586AA6B96}" type="datetime4">
               <a:rPr lang="en-GB" smtClean="0"/>
-              <a:t>12 March 2018</a:t>
+              <a:t>19 February 2019</a:t>
             </a:fld>
             <a:endParaRPr lang="en-GB" dirty="0"/>
           </a:p>
@@ -2977,7 +2977,7 @@
           <a:p>
             <a:fld id="{54BE1DED-F17D-40BA-964F-A1C8DEDCEF61}" type="datetime4">
               <a:rPr lang="en-GB" smtClean="0"/>
-              <a:t>12 March 2018</a:t>
+              <a:t>19 February 2019</a:t>
             </a:fld>
             <a:endParaRPr lang="en-GB" dirty="0"/>
           </a:p>
@@ -3353,7 +3353,7 @@
             <a:fld id="{D9FBC6CA-9941-44FF-B65D-C7A23CB5A4BE}" type="datetime4">
               <a:rPr lang="en-GB" smtClean="0"/>
               <a:pPr/>
-              <a:t>12 March 2018</a:t>
+              <a:t>19 February 2019</a:t>
             </a:fld>
             <a:endParaRPr lang="en-GB" dirty="0"/>
           </a:p>
@@ -3539,7 +3539,7 @@
           <a:p>
             <a:fld id="{D473304B-F8FC-4BC7-8FE8-C50BC87E1FAB}" type="datetime4">
               <a:rPr lang="en-GB" smtClean="0"/>
-              <a:t>12 March 2018</a:t>
+              <a:t>19 February 2019</a:t>
             </a:fld>
             <a:endParaRPr lang="en-GB" dirty="0"/>
           </a:p>
@@ -3634,7 +3634,7 @@
           <a:p>
             <a:fld id="{D3D7C3DF-C1B2-4C30-9BDA-F5EE790E7213}" type="datetime4">
               <a:rPr lang="en-GB" smtClean="0"/>
-              <a:t>12 March 2018</a:t>
+              <a:t>19 February 2019</a:t>
             </a:fld>
             <a:endParaRPr lang="en-GB" dirty="0"/>
           </a:p>
@@ -3859,7 +3859,7 @@
           <a:p>
             <a:fld id="{7A1E630C-C3F3-4A66-A20B-F3CE4CC3331D}" type="datetime4">
               <a:rPr lang="en-GB" smtClean="0"/>
-              <a:t>12 March 2018</a:t>
+              <a:t>19 February 2019</a:t>
             </a:fld>
             <a:endParaRPr lang="en-GB" dirty="0"/>
           </a:p>
@@ -4493,7 +4493,7 @@
           <a:p>
             <a:fld id="{D22C19FE-D082-4640-BFED-203C0E583774}" type="datetime4">
               <a:rPr lang="en-GB" smtClean="0"/>
-              <a:t>12 March 2018</a:t>
+              <a:t>19 February 2019</a:t>
             </a:fld>
             <a:endParaRPr lang="en-GB" dirty="0"/>
           </a:p>
@@ -5091,16 +5091,13 @@
           <a:p>
             <a:r>
               <a:rPr lang="en-GB" b="0" dirty="0" smtClean="0"/>
-              <a:t>Integration Team</a:t>
-            </a:r>
-          </a:p>
-          <a:p>
-            <a:pPr lvl="1"/>
-            <a:r>
-              <a:rPr lang="en-GB" dirty="0" smtClean="0"/>
-              <a:t>February 2018</a:t>
-            </a:r>
-            <a:endParaRPr lang="en-GB" dirty="0"/>
+              <a:t>Integration </a:t>
+            </a:r>
+            <a:r>
+              <a:rPr lang="en-GB" b="0" dirty="0" smtClean="0"/>
+              <a:t>Team</a:t>
+            </a:r>
+            <a:endParaRPr lang="en-GB" b="0" dirty="0" smtClean="0"/>
           </a:p>
         </p:txBody>
       </p:sp>
@@ -5306,7 +5303,7 @@
             <a:fld id="{BC3F1638-3586-4527-A760-38AC15BFC248}" type="datetime4">
               <a:rPr lang="en-GB" smtClean="0"/>
               <a:pPr/>
-              <a:t>12 March 2018</a:t>
+              <a:t>19 February 2019</a:t>
             </a:fld>
             <a:endParaRPr lang="en-GB" dirty="0"/>
           </a:p>
@@ -5459,7 +5456,7 @@
             <a:fld id="{BC3F1638-3586-4527-A760-38AC15BFC248}" type="datetime4">
               <a:rPr lang="en-GB" smtClean="0"/>
               <a:pPr/>
-              <a:t>12 March 2018</a:t>
+              <a:t>19 February 2019</a:t>
             </a:fld>
             <a:endParaRPr lang="en-GB" dirty="0"/>
           </a:p>
@@ -5612,7 +5609,7 @@
             <a:fld id="{BC3F1638-3586-4527-A760-38AC15BFC248}" type="datetime4">
               <a:rPr lang="en-GB" smtClean="0"/>
               <a:pPr/>
-              <a:t>12 March 2018</a:t>
+              <a:t>19 February 2019</a:t>
             </a:fld>
             <a:endParaRPr lang="en-GB" dirty="0"/>
           </a:p>
@@ -5753,11 +5750,6 @@
               </a:rPr>
               <a:t>NCC</a:t>
             </a:r>
-            <a:endParaRPr lang="en-US" b="1" dirty="0" smtClean="0">
-              <a:solidFill>
-                <a:schemeClr val="accent2"/>
-              </a:solidFill>
-            </a:endParaRPr>
           </a:p>
         </p:txBody>
       </p:sp>
@@ -5792,11 +5784,6 @@
               </a:rPr>
               <a:t>CUSTOMERS</a:t>
             </a:r>
-            <a:endParaRPr lang="en-US" b="1" dirty="0" smtClean="0">
-              <a:solidFill>
-                <a:schemeClr val="accent2"/>
-              </a:solidFill>
-            </a:endParaRPr>
           </a:p>
         </p:txBody>
       </p:sp>
@@ -5895,7 +5882,7 @@
             <a:fld id="{BC3F1638-3586-4527-A760-38AC15BFC248}" type="datetime4">
               <a:rPr lang="en-GB" smtClean="0"/>
               <a:pPr/>
-              <a:t>12 March 2018</a:t>
+              <a:t>19 February 2019</a:t>
             </a:fld>
             <a:endParaRPr lang="en-GB" dirty="0"/>
           </a:p>
@@ -6128,7 +6115,7 @@
             <a:fld id="{BC3F1638-3586-4527-A760-38AC15BFC248}" type="datetime4">
               <a:rPr lang="en-GB" smtClean="0"/>
               <a:pPr/>
-              <a:t>12 March 2018</a:t>
+              <a:t>19 February 2019</a:t>
             </a:fld>
             <a:endParaRPr lang="en-GB" dirty="0"/>
           </a:p>
@@ -6496,7 +6483,7 @@
             <a:fld id="{BC3F1638-3586-4527-A760-38AC15BFC248}" type="datetime4">
               <a:rPr lang="en-GB" smtClean="0"/>
               <a:pPr/>
-              <a:t>12 March 2018</a:t>
+              <a:t>19 February 2019</a:t>
             </a:fld>
             <a:endParaRPr lang="en-GB" dirty="0"/>
           </a:p>
@@ -7114,7 +7101,7 @@
             <a:fld id="{BC3F1638-3586-4527-A760-38AC15BFC248}" type="datetime4">
               <a:rPr lang="en-GB" smtClean="0"/>
               <a:pPr/>
-              <a:t>12 March 2018</a:t>
+              <a:t>19 February 2019</a:t>
             </a:fld>
             <a:endParaRPr lang="en-GB" dirty="0"/>
           </a:p>
@@ -9120,7 +9107,7 @@
             <a:fld id="{D98A2CEC-3088-437B-B321-33BEC7D93FCD}" type="datetime4">
               <a:rPr lang="en-GB" smtClean="0"/>
               <a:pPr/>
-              <a:t>12 March 2018</a:t>
+              <a:t>19 February 2019</a:t>
             </a:fld>
             <a:endParaRPr lang="en-GB" dirty="0"/>
           </a:p>
@@ -9330,7 +9317,7 @@
           <a:p>
             <a:fld id="{6096F0BA-ECEE-44D1-ABE9-40C67B221300}" type="datetime4">
               <a:rPr lang="en-GB" smtClean="0"/>
-              <a:t>12 March 2018</a:t>
+              <a:t>19 February 2019</a:t>
             </a:fld>
             <a:endParaRPr lang="en-GB" dirty="0"/>
           </a:p>
@@ -9473,7 +9460,7 @@
             <a:fld id="{BC3F1638-3586-4527-A760-38AC15BFC248}" type="datetime4">
               <a:rPr lang="en-GB" smtClean="0"/>
               <a:pPr/>
-              <a:t>12 March 2018</a:t>
+              <a:t>19 February 2019</a:t>
             </a:fld>
             <a:endParaRPr lang="en-GB" dirty="0"/>
           </a:p>
@@ -9646,7 +9633,7 @@
             <a:fld id="{BC3F1638-3586-4527-A760-38AC15BFC248}" type="datetime4">
               <a:rPr lang="en-GB" smtClean="0"/>
               <a:pPr/>
-              <a:t>12 March 2018</a:t>
+              <a:t>19 February 2019</a:t>
             </a:fld>
             <a:endParaRPr lang="en-GB" dirty="0"/>
           </a:p>
@@ -9948,7 +9935,7 @@
             <a:fld id="{BC3F1638-3586-4527-A760-38AC15BFC248}" type="datetime4">
               <a:rPr lang="en-GB" smtClean="0"/>
               <a:pPr/>
-              <a:t>12 March 2018</a:t>
+              <a:t>19 February 2019</a:t>
             </a:fld>
             <a:endParaRPr lang="en-GB" dirty="0"/>
           </a:p>
@@ -10298,7 +10285,7 @@
             <a:fld id="{BC3F1638-3586-4527-A760-38AC15BFC248}" type="datetime4">
               <a:rPr lang="en-GB" smtClean="0"/>
               <a:pPr/>
-              <a:t>12 March 2018</a:t>
+              <a:t>19 February 2019</a:t>
             </a:fld>
             <a:endParaRPr lang="en-GB" dirty="0"/>
           </a:p>
@@ -10615,7 +10602,7 @@
             <a:fld id="{BC3F1638-3586-4527-A760-38AC15BFC248}" type="datetime4">
               <a:rPr lang="en-GB" smtClean="0"/>
               <a:pPr/>
-              <a:t>12 March 2018</a:t>
+              <a:t>19 February 2019</a:t>
             </a:fld>
             <a:endParaRPr lang="en-GB" dirty="0"/>
           </a:p>
@@ -10971,7 +10958,7 @@
             <a:fld id="{BC3F1638-3586-4527-A760-38AC15BFC248}" type="datetime4">
               <a:rPr lang="en-GB" smtClean="0"/>
               <a:pPr/>
-              <a:t>12 March 2018</a:t>
+              <a:t>19 February 2019</a:t>
             </a:fld>
             <a:endParaRPr lang="en-GB" dirty="0"/>
           </a:p>
@@ -11023,11 +11010,7 @@
           <a:p>
             <a:r>
               <a:rPr lang="en-US" dirty="0" smtClean="0"/>
-              <a:t>SWIFT </a:t>
-            </a:r>
-            <a:r>
-              <a:rPr lang="en-US" dirty="0" smtClean="0"/>
-              <a:t>ref, SEPAPLUS, </a:t>
+              <a:t>SWIFT ref, SEPAPLUS, </a:t>
             </a:r>
             <a:r>
               <a:rPr lang="en-US" dirty="0" err="1" smtClean="0"/>
@@ -11075,7 +11058,6 @@
               <a:rPr lang="en-US" dirty="0" smtClean="0"/>
               <a:t>Entries actions</a:t>
             </a:r>
-            <a:endParaRPr lang="en-US" dirty="0" smtClean="0"/>
           </a:p>
           <a:p>
             <a:pPr marL="411163" indent="-411163">
@@ -11178,7 +11160,6 @@
               <a:rPr lang="en-US" dirty="0" smtClean="0"/>
               <a:t> </a:t>
             </a:r>
-            <a:endParaRPr lang="en-US" dirty="0" smtClean="0"/>
           </a:p>
           <a:p>
             <a:pPr marL="411163" indent="-411163">
@@ -11205,7 +11186,6 @@
               <a:rPr lang="en-US" dirty="0" smtClean="0"/>
               <a:t> (deleted) apply soft or hard depending on record date</a:t>
             </a:r>
-            <a:endParaRPr lang="en-US" dirty="0" smtClean="0"/>
           </a:p>
         </p:txBody>
       </p:sp>
@@ -11247,7 +11227,6 @@
               <a:rPr lang="en-US" dirty="0" smtClean="0"/>
               <a:t>Updated profiles:</a:t>
             </a:r>
-            <a:endParaRPr lang="en-US" dirty="0" smtClean="0"/>
           </a:p>
           <a:p>
             <a:pPr marL="411163" indent="-411163">
@@ -11392,13 +11371,8 @@
             </a:r>
             <a:r>
               <a:rPr lang="en-US" dirty="0" smtClean="0"/>
-              <a:t>.</a:t>
-            </a:r>
-            <a:r>
-              <a:rPr lang="en-US" dirty="0" smtClean="0"/>
-              <a:t> </a:t>
-            </a:r>
-            <a:endParaRPr lang="en-US" dirty="0" smtClean="0"/>
+              <a:t>. </a:t>
+            </a:r>
           </a:p>
         </p:txBody>
       </p:sp>
@@ -11420,7 +11394,7 @@
             <a:fld id="{BC3F1638-3586-4527-A760-38AC15BFC248}" type="datetime4">
               <a:rPr lang="en-GB" smtClean="0"/>
               <a:pPr/>
-              <a:t>12 March 2018</a:t>
+              <a:t>19 February 2019</a:t>
             </a:fld>
             <a:endParaRPr lang="en-GB" dirty="0"/>
           </a:p>
@@ -11565,13 +11539,8 @@
             </a:pPr>
             <a:r>
               <a:rPr lang="en-US" u="sng" dirty="0" smtClean="0"/>
-              <a:t>System </a:t>
-            </a:r>
-            <a:r>
-              <a:rPr lang="en-US" u="sng" dirty="0" smtClean="0"/>
-              <a:t>parameter</a:t>
-            </a:r>
-            <a:endParaRPr lang="en-US" u="sng" dirty="0" smtClean="0"/>
+              <a:t>System parameter</a:t>
+            </a:r>
           </a:p>
           <a:p>
             <a:pPr>
@@ -12481,24 +12450,6 @@
 </file>
 
 <file path=customXml/item1.xml><?xml version="1.0" encoding="utf-8"?>
-<p:properties xmlns:p="http://schemas.microsoft.com/office/2006/metadata/properties" xmlns:xsi="http://www.w3.org/2001/XMLSchema-instance" xmlns:pc="http://schemas.microsoft.com/office/infopath/2007/PartnerControls">
-  <documentManagement>
-    <PublishingExpirationDate xmlns="http://schemas.microsoft.com/sharepoint/v3" xsi:nil="true"/>
-    <PublishingStartDate xmlns="http://schemas.microsoft.com/sharepoint/v3" xsi:nil="true"/>
-  </documentManagement>
-</p:properties>
-</file>
-
-<file path=customXml/item2.xml><?xml version="1.0" encoding="utf-8"?>
-<?mso-contentType ?>
-<FormTemplates xmlns="http://schemas.microsoft.com/sharepoint/v3/contenttype/forms">
-  <Display>DocumentLibraryForm</Display>
-  <Edit>DocumentLibraryForm</Edit>
-  <New>DocumentLibraryForm</New>
-</FormTemplates>
-</file>
-
-<file path=customXml/item3.xml><?xml version="1.0" encoding="utf-8"?>
 <ct:contentTypeSchema xmlns:ct="http://schemas.microsoft.com/office/2006/metadata/contentType" xmlns:ma="http://schemas.microsoft.com/office/2006/metadata/properties/metaAttributes" ct:_="" ma:_="" ma:contentTypeName="Document" ma:contentTypeID="0x0101009AFDA2510A45954CB46081864A6D864F" ma:contentTypeVersion="5" ma:contentTypeDescription="Create a new document." ma:contentTypeScope="" ma:versionID="5b475eef84496e2b7a4205b1d00d7d4c">
   <xsd:schema xmlns:xsd="http://www.w3.org/2001/XMLSchema" xmlns:xs="http://www.w3.org/2001/XMLSchema" xmlns:p="http://schemas.microsoft.com/office/2006/metadata/properties" xmlns:ns1="http://schemas.microsoft.com/sharepoint/v3" xmlns:ns2="1913475e-a030-45ec-9e8a-a2630205b38f" xmlns:ns3="0ae7057e-292f-4fd1-bead-5494e4c66c6d" targetNamespace="http://schemas.microsoft.com/office/2006/metadata/properties" ma:root="true" ma:fieldsID="85738e600c763465eda532a3d229a01a" ns1:_="" ns2:_="" ns3:_="">
     <xsd:import namespace="http://schemas.microsoft.com/sharepoint/v3"/>
@@ -12680,33 +12631,25 @@
 </ct:contentTypeSchema>
 </file>
 
-<file path=customXml/itemProps1.xml><?xml version="1.0" encoding="utf-8"?>
-<ds:datastoreItem xmlns:ds="http://schemas.openxmlformats.org/officeDocument/2006/customXml" ds:itemID="{D7186F62-2954-471E-9368-38BF5704F41F}">
-  <ds:schemaRefs>
-    <ds:schemaRef ds:uri="http://purl.org/dc/terms/"/>
-    <ds:schemaRef ds:uri="http://schemas.microsoft.com/office/2006/metadata/properties"/>
-    <ds:schemaRef ds:uri="http://schemas.microsoft.com/office/2006/documentManagement/types"/>
-    <ds:schemaRef ds:uri="http://schemas.microsoft.com/sharepoint/v3"/>
-    <ds:schemaRef ds:uri="0ae7057e-292f-4fd1-bead-5494e4c66c6d"/>
-    <ds:schemaRef ds:uri="http://purl.org/dc/elements/1.1/"/>
-    <ds:schemaRef ds:uri="http://schemas.openxmlformats.org/package/2006/metadata/core-properties"/>
-    <ds:schemaRef ds:uri="http://schemas.microsoft.com/office/infopath/2007/PartnerControls"/>
-    <ds:schemaRef ds:uri="1913475e-a030-45ec-9e8a-a2630205b38f"/>
-    <ds:schemaRef ds:uri="http://www.w3.org/XML/1998/namespace"/>
-    <ds:schemaRef ds:uri="http://purl.org/dc/dcmitype/"/>
-  </ds:schemaRefs>
-</ds:datastoreItem>
+<file path=customXml/item2.xml><?xml version="1.0" encoding="utf-8"?>
+<?mso-contentType ?>
+<FormTemplates xmlns="http://schemas.microsoft.com/sharepoint/v3/contenttype/forms">
+  <Display>DocumentLibraryForm</Display>
+  <Edit>DocumentLibraryForm</Edit>
+  <New>DocumentLibraryForm</New>
+</FormTemplates>
 </file>
 
-<file path=customXml/itemProps2.xml><?xml version="1.0" encoding="utf-8"?>
-<ds:datastoreItem xmlns:ds="http://schemas.openxmlformats.org/officeDocument/2006/customXml" ds:itemID="{CA1AEAF9-C730-4098-99F1-230B2FED747B}">
-  <ds:schemaRefs>
-    <ds:schemaRef ds:uri="http://schemas.microsoft.com/sharepoint/v3/contenttype/forms"/>
-  </ds:schemaRefs>
-</ds:datastoreItem>
+<file path=customXml/item3.xml><?xml version="1.0" encoding="utf-8"?>
+<p:properties xmlns:p="http://schemas.microsoft.com/office/2006/metadata/properties" xmlns:xsi="http://www.w3.org/2001/XMLSchema-instance" xmlns:pc="http://schemas.microsoft.com/office/infopath/2007/PartnerControls">
+  <documentManagement>
+    <PublishingExpirationDate xmlns="http://schemas.microsoft.com/sharepoint/v3" xsi:nil="true"/>
+    <PublishingStartDate xmlns="http://schemas.microsoft.com/sharepoint/v3" xsi:nil="true"/>
+  </documentManagement>
+</p:properties>
 </file>
 
-<file path=customXml/itemProps3.xml><?xml version="1.0" encoding="utf-8"?>
+<file path=customXml/itemProps1.xml><?xml version="1.0" encoding="utf-8"?>
 <ds:datastoreItem xmlns:ds="http://schemas.openxmlformats.org/officeDocument/2006/customXml" ds:itemID="{F6B4073B-771D-450A-9EDA-ABAA77B0531E}">
   <ds:schemaRefs>
     <ds:schemaRef ds:uri="http://schemas.microsoft.com/office/2006/metadata/contentType"/>
@@ -12724,4 +12667,30 @@
     <ds:schemaRef ds:uri="http://schemas.microsoft.com/internal/obd"/>
   </ds:schemaRefs>
 </ds:datastoreItem>
+</file>
+
+<file path=customXml/itemProps2.xml><?xml version="1.0" encoding="utf-8"?>
+<ds:datastoreItem xmlns:ds="http://schemas.openxmlformats.org/officeDocument/2006/customXml" ds:itemID="{CA1AEAF9-C730-4098-99F1-230B2FED747B}">
+  <ds:schemaRefs>
+    <ds:schemaRef ds:uri="http://schemas.microsoft.com/sharepoint/v3/contenttype/forms"/>
+  </ds:schemaRefs>
+</ds:datastoreItem>
+</file>
+
+<file path=customXml/itemProps3.xml><?xml version="1.0" encoding="utf-8"?>
+<ds:datastoreItem xmlns:ds="http://schemas.openxmlformats.org/officeDocument/2006/customXml" ds:itemID="{D7186F62-2954-471E-9368-38BF5704F41F}">
+  <ds:schemaRefs>
+    <ds:schemaRef ds:uri="http://schemas.microsoft.com/sharepoint/v3"/>
+    <ds:schemaRef ds:uri="0ae7057e-292f-4fd1-bead-5494e4c66c6d"/>
+    <ds:schemaRef ds:uri="http://purl.org/dc/terms/"/>
+    <ds:schemaRef ds:uri="http://schemas.openxmlformats.org/package/2006/metadata/core-properties"/>
+    <ds:schemaRef ds:uri="http://schemas.microsoft.com/office/2006/documentManagement/types"/>
+    <ds:schemaRef ds:uri="http://schemas.microsoft.com/office/infopath/2007/PartnerControls"/>
+    <ds:schemaRef ds:uri="http://purl.org/dc/elements/1.1/"/>
+    <ds:schemaRef ds:uri="http://schemas.microsoft.com/office/2006/metadata/properties"/>
+    <ds:schemaRef ds:uri="1913475e-a030-45ec-9e8a-a2630205b38f"/>
+    <ds:schemaRef ds:uri="http://www.w3.org/XML/1998/namespace"/>
+    <ds:schemaRef ds:uri="http://purl.org/dc/dcmitype/"/>
+  </ds:schemaRefs>
+</ds:datastoreItem>
 </file>
--- a/documentation/17 Upload.pptx
+++ b/documentation/17 Upload.pptx
@@ -230,7 +230,7 @@
           <a:p>
             <a:fld id="{CE53DE84-D7B3-4797-B14D-77424657396D}" type="datetimeFigureOut">
               <a:rPr lang="en-GB" smtClean="0"/>
-              <a:t>19/02/2019</a:t>
+              <a:t>25/03/2019</a:t>
             </a:fld>
             <a:endParaRPr lang="en-GB" dirty="0"/>
           </a:p>
@@ -395,7 +395,7 @@
           <a:p>
             <a:fld id="{D1C597EC-6BB0-461C-B045-D257C6C8821E}" type="datetimeFigureOut">
               <a:rPr lang="en-GB" smtClean="0"/>
-              <a:t>19/02/2019</a:t>
+              <a:t>25/03/2019</a:t>
             </a:fld>
             <a:endParaRPr lang="en-GB" dirty="0"/>
           </a:p>
@@ -2341,7 +2341,7 @@
           <a:p>
             <a:fld id="{22E7AA2F-F619-4723-B6E7-545F24B9918D}" type="datetime4">
               <a:rPr lang="en-GB" smtClean="0"/>
-              <a:t>19 February 2019</a:t>
+              <a:t>25 March 2019</a:t>
             </a:fld>
             <a:endParaRPr lang="en-GB" dirty="0"/>
           </a:p>
@@ -2545,7 +2545,7 @@
           <a:p>
             <a:fld id="{2A4201E0-34F3-46A7-AE44-D99163B13904}" type="datetime4">
               <a:rPr lang="en-GB" smtClean="0"/>
-              <a:t>19 February 2019</a:t>
+              <a:t>25 March 2019</a:t>
             </a:fld>
             <a:endParaRPr lang="en-GB" dirty="0"/>
           </a:p>
@@ -2793,7 +2793,7 @@
           <a:p>
             <a:fld id="{4FAE0867-24A8-448F-B507-CC8586AA6B96}" type="datetime4">
               <a:rPr lang="en-GB" smtClean="0"/>
-              <a:t>19 February 2019</a:t>
+              <a:t>25 March 2019</a:t>
             </a:fld>
             <a:endParaRPr lang="en-GB" dirty="0"/>
           </a:p>
@@ -2977,7 +2977,7 @@
           <a:p>
             <a:fld id="{54BE1DED-F17D-40BA-964F-A1C8DEDCEF61}" type="datetime4">
               <a:rPr lang="en-GB" smtClean="0"/>
-              <a:t>19 February 2019</a:t>
+              <a:t>25 March 2019</a:t>
             </a:fld>
             <a:endParaRPr lang="en-GB" dirty="0"/>
           </a:p>
@@ -3353,7 +3353,7 @@
             <a:fld id="{D9FBC6CA-9941-44FF-B65D-C7A23CB5A4BE}" type="datetime4">
               <a:rPr lang="en-GB" smtClean="0"/>
               <a:pPr/>
-              <a:t>19 February 2019</a:t>
+              <a:t>25 March 2019</a:t>
             </a:fld>
             <a:endParaRPr lang="en-GB" dirty="0"/>
           </a:p>
@@ -3539,7 +3539,7 @@
           <a:p>
             <a:fld id="{D473304B-F8FC-4BC7-8FE8-C50BC87E1FAB}" type="datetime4">
               <a:rPr lang="en-GB" smtClean="0"/>
-              <a:t>19 February 2019</a:t>
+              <a:t>25 March 2019</a:t>
             </a:fld>
             <a:endParaRPr lang="en-GB" dirty="0"/>
           </a:p>
@@ -3634,7 +3634,7 @@
           <a:p>
             <a:fld id="{D3D7C3DF-C1B2-4C30-9BDA-F5EE790E7213}" type="datetime4">
               <a:rPr lang="en-GB" smtClean="0"/>
-              <a:t>19 February 2019</a:t>
+              <a:t>25 March 2019</a:t>
             </a:fld>
             <a:endParaRPr lang="en-GB" dirty="0"/>
           </a:p>
@@ -3859,7 +3859,7 @@
           <a:p>
             <a:fld id="{7A1E630C-C3F3-4A66-A20B-F3CE4CC3331D}" type="datetime4">
               <a:rPr lang="en-GB" smtClean="0"/>
-              <a:t>19 February 2019</a:t>
+              <a:t>25 March 2019</a:t>
             </a:fld>
             <a:endParaRPr lang="en-GB" dirty="0"/>
           </a:p>
@@ -4493,7 +4493,7 @@
           <a:p>
             <a:fld id="{D22C19FE-D082-4640-BFED-203C0E583774}" type="datetime4">
               <a:rPr lang="en-GB" smtClean="0"/>
-              <a:t>19 February 2019</a:t>
+              <a:t>25 March 2019</a:t>
             </a:fld>
             <a:endParaRPr lang="en-GB" dirty="0"/>
           </a:p>
@@ -5097,7 +5097,13 @@
               <a:rPr lang="en-GB" b="0" dirty="0" smtClean="0"/>
               <a:t>Team</a:t>
             </a:r>
-            <a:endParaRPr lang="en-GB" b="0" dirty="0" smtClean="0"/>
+          </a:p>
+          <a:p>
+            <a:pPr lvl="1"/>
+            <a:r>
+              <a:rPr lang="en-GB" dirty="0"/>
+              <a:t>2019</a:t>
+            </a:r>
           </a:p>
         </p:txBody>
       </p:sp>
@@ -5303,7 +5309,7 @@
             <a:fld id="{BC3F1638-3586-4527-A760-38AC15BFC248}" type="datetime4">
               <a:rPr lang="en-GB" smtClean="0"/>
               <a:pPr/>
-              <a:t>19 February 2019</a:t>
+              <a:t>25 March 2019</a:t>
             </a:fld>
             <a:endParaRPr lang="en-GB" dirty="0"/>
           </a:p>
@@ -5456,7 +5462,7 @@
             <a:fld id="{BC3F1638-3586-4527-A760-38AC15BFC248}" type="datetime4">
               <a:rPr lang="en-GB" smtClean="0"/>
               <a:pPr/>
-              <a:t>19 February 2019</a:t>
+              <a:t>25 March 2019</a:t>
             </a:fld>
             <a:endParaRPr lang="en-GB" dirty="0"/>
           </a:p>
@@ -5609,7 +5615,7 @@
             <a:fld id="{BC3F1638-3586-4527-A760-38AC15BFC248}" type="datetime4">
               <a:rPr lang="en-GB" smtClean="0"/>
               <a:pPr/>
-              <a:t>19 February 2019</a:t>
+              <a:t>25 March 2019</a:t>
             </a:fld>
             <a:endParaRPr lang="en-GB" dirty="0"/>
           </a:p>
@@ -5882,7 +5888,7 @@
             <a:fld id="{BC3F1638-3586-4527-A760-38AC15BFC248}" type="datetime4">
               <a:rPr lang="en-GB" smtClean="0"/>
               <a:pPr/>
-              <a:t>19 February 2019</a:t>
+              <a:t>25 March 2019</a:t>
             </a:fld>
             <a:endParaRPr lang="en-GB" dirty="0"/>
           </a:p>
@@ -6115,7 +6121,7 @@
             <a:fld id="{BC3F1638-3586-4527-A760-38AC15BFC248}" type="datetime4">
               <a:rPr lang="en-GB" smtClean="0"/>
               <a:pPr/>
-              <a:t>19 February 2019</a:t>
+              <a:t>25 March 2019</a:t>
             </a:fld>
             <a:endParaRPr lang="en-GB" dirty="0"/>
           </a:p>
@@ -6483,7 +6489,7 @@
             <a:fld id="{BC3F1638-3586-4527-A760-38AC15BFC248}" type="datetime4">
               <a:rPr lang="en-GB" smtClean="0"/>
               <a:pPr/>
-              <a:t>19 February 2019</a:t>
+              <a:t>25 March 2019</a:t>
             </a:fld>
             <a:endParaRPr lang="en-GB" dirty="0"/>
           </a:p>
@@ -7101,7 +7107,7 @@
             <a:fld id="{BC3F1638-3586-4527-A760-38AC15BFC248}" type="datetime4">
               <a:rPr lang="en-GB" smtClean="0"/>
               <a:pPr/>
-              <a:t>19 February 2019</a:t>
+              <a:t>25 March 2019</a:t>
             </a:fld>
             <a:endParaRPr lang="en-GB" dirty="0"/>
           </a:p>
@@ -9076,14 +9082,12 @@
           <a:lstStyle/>
           <a:p>
             <a:r>
-              <a:rPr lang="en-GB" dirty="0" smtClean="0"/>
-              <a:t>Arnab Podder</a:t>
-            </a:r>
-          </a:p>
-          <a:p>
-            <a:r>
               <a:rPr lang="en-GB" b="0" dirty="0" smtClean="0"/>
-              <a:t>Integration Team</a:t>
+              <a:t>Integration </a:t>
+            </a:r>
+            <a:r>
+              <a:rPr lang="en-GB" b="0" dirty="0" smtClean="0"/>
+              <a:t>Team</a:t>
             </a:r>
             <a:endParaRPr lang="en-GB" b="0" dirty="0"/>
           </a:p>
@@ -9107,7 +9111,7 @@
             <a:fld id="{D98A2CEC-3088-437B-B321-33BEC7D93FCD}" type="datetime4">
               <a:rPr lang="en-GB" smtClean="0"/>
               <a:pPr/>
-              <a:t>19 February 2019</a:t>
+              <a:t>25 March 2019</a:t>
             </a:fld>
             <a:endParaRPr lang="en-GB" dirty="0"/>
           </a:p>
@@ -9130,8 +9134,9 @@
           <a:p>
             <a:r>
               <a:rPr lang="en-GB" dirty="0" smtClean="0"/>
-              <a:t>Arnab.podder@finastra.com</a:t>
-            </a:r>
+              <a:t>Alexander.perman@finastra.com</a:t>
+            </a:r>
+            <a:endParaRPr lang="en-GB" dirty="0" smtClean="0"/>
           </a:p>
           <a:p>
             <a:endParaRPr lang="en-GB" dirty="0"/>
@@ -9317,7 +9322,7 @@
           <a:p>
             <a:fld id="{6096F0BA-ECEE-44D1-ABE9-40C67B221300}" type="datetime4">
               <a:rPr lang="en-GB" smtClean="0"/>
-              <a:t>19 February 2019</a:t>
+              <a:t>25 March 2019</a:t>
             </a:fld>
             <a:endParaRPr lang="en-GB" dirty="0"/>
           </a:p>
@@ -9460,7 +9465,7 @@
             <a:fld id="{BC3F1638-3586-4527-A760-38AC15BFC248}" type="datetime4">
               <a:rPr lang="en-GB" smtClean="0"/>
               <a:pPr/>
-              <a:t>19 February 2019</a:t>
+              <a:t>25 March 2019</a:t>
             </a:fld>
             <a:endParaRPr lang="en-GB" dirty="0"/>
           </a:p>
@@ -9633,7 +9638,7 @@
             <a:fld id="{BC3F1638-3586-4527-A760-38AC15BFC248}" type="datetime4">
               <a:rPr lang="en-GB" smtClean="0"/>
               <a:pPr/>
-              <a:t>19 February 2019</a:t>
+              <a:t>25 March 2019</a:t>
             </a:fld>
             <a:endParaRPr lang="en-GB" dirty="0"/>
           </a:p>
@@ -9935,7 +9940,7 @@
             <a:fld id="{BC3F1638-3586-4527-A760-38AC15BFC248}" type="datetime4">
               <a:rPr lang="en-GB" smtClean="0"/>
               <a:pPr/>
-              <a:t>19 February 2019</a:t>
+              <a:t>25 March 2019</a:t>
             </a:fld>
             <a:endParaRPr lang="en-GB" dirty="0"/>
           </a:p>
@@ -10285,7 +10290,7 @@
             <a:fld id="{BC3F1638-3586-4527-A760-38AC15BFC248}" type="datetime4">
               <a:rPr lang="en-GB" smtClean="0"/>
               <a:pPr/>
-              <a:t>19 February 2019</a:t>
+              <a:t>25 March 2019</a:t>
             </a:fld>
             <a:endParaRPr lang="en-GB" dirty="0"/>
           </a:p>
@@ -10602,7 +10607,7 @@
             <a:fld id="{BC3F1638-3586-4527-A760-38AC15BFC248}" type="datetime4">
               <a:rPr lang="en-GB" smtClean="0"/>
               <a:pPr/>
-              <a:t>19 February 2019</a:t>
+              <a:t>25 March 2019</a:t>
             </a:fld>
             <a:endParaRPr lang="en-GB" dirty="0"/>
           </a:p>
@@ -10958,7 +10963,7 @@
             <a:fld id="{BC3F1638-3586-4527-A760-38AC15BFC248}" type="datetime4">
               <a:rPr lang="en-GB" smtClean="0"/>
               <a:pPr/>
-              <a:t>19 February 2019</a:t>
+              <a:t>25 March 2019</a:t>
             </a:fld>
             <a:endParaRPr lang="en-GB" dirty="0"/>
           </a:p>
@@ -11394,7 +11399,7 @@
             <a:fld id="{BC3F1638-3586-4527-A760-38AC15BFC248}" type="datetime4">
               <a:rPr lang="en-GB" smtClean="0"/>
               <a:pPr/>
-              <a:t>19 February 2019</a:t>
+              <a:t>25 March 2019</a:t>
             </a:fld>
             <a:endParaRPr lang="en-GB" dirty="0"/>
           </a:p>
@@ -12632,21 +12637,21 @@
 </file>
 
 <file path=customXml/item2.xml><?xml version="1.0" encoding="utf-8"?>
+<p:properties xmlns:p="http://schemas.microsoft.com/office/2006/metadata/properties" xmlns:xsi="http://www.w3.org/2001/XMLSchema-instance" xmlns:pc="http://schemas.microsoft.com/office/infopath/2007/PartnerControls">
+  <documentManagement>
+    <PublishingExpirationDate xmlns="http://schemas.microsoft.com/sharepoint/v3" xsi:nil="true"/>
+    <PublishingStartDate xmlns="http://schemas.microsoft.com/sharepoint/v3" xsi:nil="true"/>
+  </documentManagement>
+</p:properties>
+</file>
+
+<file path=customXml/item3.xml><?xml version="1.0" encoding="utf-8"?>
 <?mso-contentType ?>
 <FormTemplates xmlns="http://schemas.microsoft.com/sharepoint/v3/contenttype/forms">
   <Display>DocumentLibraryForm</Display>
   <Edit>DocumentLibraryForm</Edit>
   <New>DocumentLibraryForm</New>
 </FormTemplates>
-</file>
-
-<file path=customXml/item3.xml><?xml version="1.0" encoding="utf-8"?>
-<p:properties xmlns:p="http://schemas.microsoft.com/office/2006/metadata/properties" xmlns:xsi="http://www.w3.org/2001/XMLSchema-instance" xmlns:pc="http://schemas.microsoft.com/office/infopath/2007/PartnerControls">
-  <documentManagement>
-    <PublishingExpirationDate xmlns="http://schemas.microsoft.com/sharepoint/v3" xsi:nil="true"/>
-    <PublishingStartDate xmlns="http://schemas.microsoft.com/sharepoint/v3" xsi:nil="true"/>
-  </documentManagement>
-</p:properties>
 </file>
 
 <file path=customXml/itemProps1.xml><?xml version="1.0" encoding="utf-8"?>
@@ -12670,14 +12675,6 @@
 </file>
 
 <file path=customXml/itemProps2.xml><?xml version="1.0" encoding="utf-8"?>
-<ds:datastoreItem xmlns:ds="http://schemas.openxmlformats.org/officeDocument/2006/customXml" ds:itemID="{CA1AEAF9-C730-4098-99F1-230B2FED747B}">
-  <ds:schemaRefs>
-    <ds:schemaRef ds:uri="http://schemas.microsoft.com/sharepoint/v3/contenttype/forms"/>
-  </ds:schemaRefs>
-</ds:datastoreItem>
-</file>
-
-<file path=customXml/itemProps3.xml><?xml version="1.0" encoding="utf-8"?>
 <ds:datastoreItem xmlns:ds="http://schemas.openxmlformats.org/officeDocument/2006/customXml" ds:itemID="{D7186F62-2954-471E-9368-38BF5704F41F}">
   <ds:schemaRefs>
     <ds:schemaRef ds:uri="http://schemas.microsoft.com/sharepoint/v3"/>
@@ -12693,4 +12690,12 @@
     <ds:schemaRef ds:uri="http://purl.org/dc/dcmitype/"/>
   </ds:schemaRefs>
 </ds:datastoreItem>
+</file>
+
+<file path=customXml/itemProps3.xml><?xml version="1.0" encoding="utf-8"?>
+<ds:datastoreItem xmlns:ds="http://schemas.openxmlformats.org/officeDocument/2006/customXml" ds:itemID="{CA1AEAF9-C730-4098-99F1-230B2FED747B}">
+  <ds:schemaRefs>
+    <ds:schemaRef ds:uri="http://schemas.microsoft.com/sharepoint/v3/contenttype/forms"/>
+  </ds:schemaRefs>
+</ds:datastoreItem>
 </file>